--- a/clases/Cap03_DeepLearning/presentations/CV03_ObjectDetection.pptx
+++ b/clases/Cap03_DeepLearning/presentations/CV03_ObjectDetection.pptx
@@ -6,8 +6,9 @@
   </p:sldMasterIdLst>
   <p:sldIdLst>
     <p:sldId id="256" r:id="rId2"/>
-    <p:sldId id="257" r:id="rId3"/>
-    <p:sldId id="258" r:id="rId4"/>
+    <p:sldId id="259" r:id="rId3"/>
+    <p:sldId id="257" r:id="rId4"/>
+    <p:sldId id="258" r:id="rId5"/>
   </p:sldIdLst>
   <p:sldSz cx="12192000" cy="6858000"/>
   <p:notesSz cx="6858000" cy="9144000"/>
@@ -3733,6 +3734,289 @@
           <a:chExt cx="0" cy="0"/>
         </a:xfrm>
       </p:grpSpPr>
+      <p:pic>
+        <p:nvPicPr>
+          <p:cNvPr id="5" name="Picture 4">
+            <a:extLst>
+              <a:ext uri="{FF2B5EF4-FFF2-40B4-BE49-F238E27FC236}">
+                <a16:creationId xmlns:a16="http://schemas.microsoft.com/office/drawing/2014/main" id="{6591E734-7C84-4D4E-8DA2-30C0286377C2}"/>
+              </a:ext>
+            </a:extLst>
+          </p:cNvPr>
+          <p:cNvPicPr>
+            <a:picLocks noChangeAspect="1"/>
+          </p:cNvPicPr>
+          <p:nvPr/>
+        </p:nvPicPr>
+        <p:blipFill>
+          <a:blip r:embed="rId2"/>
+          <a:srcRect/>
+          <a:stretch/>
+        </p:blipFill>
+        <p:spPr>
+          <a:xfrm>
+            <a:off x="890587" y="1395412"/>
+            <a:ext cx="3124200" cy="3124200"/>
+          </a:xfrm>
+          <a:prstGeom prst="rect">
+            <a:avLst/>
+          </a:prstGeom>
+        </p:spPr>
+      </p:pic>
+      <p:pic>
+        <p:nvPicPr>
+          <p:cNvPr id="6" name="Picture 5">
+            <a:extLst>
+              <a:ext uri="{FF2B5EF4-FFF2-40B4-BE49-F238E27FC236}">
+                <a16:creationId xmlns:a16="http://schemas.microsoft.com/office/drawing/2014/main" id="{71C8E45D-DB3E-0445-9639-56FC7AA96EEA}"/>
+              </a:ext>
+            </a:extLst>
+          </p:cNvPr>
+          <p:cNvPicPr>
+            <a:picLocks noChangeAspect="1"/>
+          </p:cNvPicPr>
+          <p:nvPr/>
+        </p:nvPicPr>
+        <p:blipFill>
+          <a:blip r:embed="rId2"/>
+          <a:srcRect/>
+          <a:stretch/>
+        </p:blipFill>
+        <p:spPr>
+          <a:xfrm>
+            <a:off x="8177215" y="1395412"/>
+            <a:ext cx="3124200" cy="3124200"/>
+          </a:xfrm>
+          <a:prstGeom prst="rect">
+            <a:avLst/>
+          </a:prstGeom>
+        </p:spPr>
+      </p:pic>
+      <p:sp>
+        <p:nvSpPr>
+          <p:cNvPr id="7" name="Rounded Rectangle 6">
+            <a:extLst>
+              <a:ext uri="{FF2B5EF4-FFF2-40B4-BE49-F238E27FC236}">
+                <a16:creationId xmlns:a16="http://schemas.microsoft.com/office/drawing/2014/main" id="{995D0F39-BCAF-7C49-A1B5-2AE15FFB82FC}"/>
+              </a:ext>
+            </a:extLst>
+          </p:cNvPr>
+          <p:cNvSpPr/>
+          <p:nvPr/>
+        </p:nvSpPr>
+        <p:spPr>
+          <a:xfrm>
+            <a:off x="4974432" y="2314574"/>
+            <a:ext cx="2243137" cy="1285875"/>
+          </a:xfrm>
+          <a:prstGeom prst="roundRect">
+            <a:avLst/>
+          </a:prstGeom>
+        </p:spPr>
+        <p:style>
+          <a:lnRef idx="2">
+            <a:schemeClr val="accent1">
+              <a:shade val="50000"/>
+            </a:schemeClr>
+          </a:lnRef>
+          <a:fillRef idx="1">
+            <a:schemeClr val="accent1"/>
+          </a:fillRef>
+          <a:effectRef idx="0">
+            <a:schemeClr val="accent1"/>
+          </a:effectRef>
+          <a:fontRef idx="minor">
+            <a:schemeClr val="lt1"/>
+          </a:fontRef>
+        </p:style>
+        <p:txBody>
+          <a:bodyPr rtlCol="0" anchor="ctr"/>
+          <a:lstStyle/>
+          <a:p>
+            <a:pPr algn="ctr"/>
+            <a:r>
+              <a:rPr lang="es-ES_tradnl" sz="2800" dirty="0" err="1"/>
+              <a:t>Object</a:t>
+            </a:r>
+            <a:endParaRPr lang="es-ES_tradnl" sz="2800" dirty="0"/>
+          </a:p>
+          <a:p>
+            <a:pPr algn="ctr"/>
+            <a:r>
+              <a:rPr lang="es-ES_tradnl" sz="2800" dirty="0" err="1"/>
+              <a:t>Detection</a:t>
+            </a:r>
+            <a:endParaRPr lang="es-ES_tradnl" sz="2800" dirty="0"/>
+          </a:p>
+        </p:txBody>
+      </p:sp>
+      <p:cxnSp>
+        <p:nvCxnSpPr>
+          <p:cNvPr id="9" name="Straight Arrow Connector 8">
+            <a:extLst>
+              <a:ext uri="{FF2B5EF4-FFF2-40B4-BE49-F238E27FC236}">
+                <a16:creationId xmlns:a16="http://schemas.microsoft.com/office/drawing/2014/main" id="{0CEEA76B-E7EE-AD4F-8049-90DB868744C1}"/>
+              </a:ext>
+            </a:extLst>
+          </p:cNvPr>
+          <p:cNvCxnSpPr>
+            <a:stCxn id="5" idx="3"/>
+            <a:endCxn id="7" idx="1"/>
+          </p:cNvCxnSpPr>
+          <p:nvPr/>
+        </p:nvCxnSpPr>
+        <p:spPr>
+          <a:xfrm>
+            <a:off x="4014787" y="2957512"/>
+            <a:ext cx="959645" cy="0"/>
+          </a:xfrm>
+          <a:prstGeom prst="straightConnector1">
+            <a:avLst/>
+          </a:prstGeom>
+          <a:ln w="19050">
+            <a:tailEnd type="triangle"/>
+          </a:ln>
+        </p:spPr>
+        <p:style>
+          <a:lnRef idx="1">
+            <a:schemeClr val="accent1"/>
+          </a:lnRef>
+          <a:fillRef idx="0">
+            <a:schemeClr val="accent1"/>
+          </a:fillRef>
+          <a:effectRef idx="0">
+            <a:schemeClr val="accent1"/>
+          </a:effectRef>
+          <a:fontRef idx="minor">
+            <a:schemeClr val="tx1"/>
+          </a:fontRef>
+        </p:style>
+      </p:cxnSp>
+      <p:cxnSp>
+        <p:nvCxnSpPr>
+          <p:cNvPr id="10" name="Straight Arrow Connector 9">
+            <a:extLst>
+              <a:ext uri="{FF2B5EF4-FFF2-40B4-BE49-F238E27FC236}">
+                <a16:creationId xmlns:a16="http://schemas.microsoft.com/office/drawing/2014/main" id="{3C7F7E3D-C139-EE4F-AD03-47D376E51142}"/>
+              </a:ext>
+            </a:extLst>
+          </p:cNvPr>
+          <p:cNvCxnSpPr>
+            <a:cxnSpLocks/>
+            <a:stCxn id="7" idx="3"/>
+            <a:endCxn id="6" idx="1"/>
+          </p:cNvCxnSpPr>
+          <p:nvPr/>
+        </p:nvCxnSpPr>
+        <p:spPr>
+          <a:xfrm>
+            <a:off x="7217569" y="2957512"/>
+            <a:ext cx="959646" cy="0"/>
+          </a:xfrm>
+          <a:prstGeom prst="straightConnector1">
+            <a:avLst/>
+          </a:prstGeom>
+          <a:ln w="19050">
+            <a:tailEnd type="triangle"/>
+          </a:ln>
+        </p:spPr>
+        <p:style>
+          <a:lnRef idx="1">
+            <a:schemeClr val="accent1"/>
+          </a:lnRef>
+          <a:fillRef idx="0">
+            <a:schemeClr val="accent1"/>
+          </a:fillRef>
+          <a:effectRef idx="0">
+            <a:schemeClr val="accent1"/>
+          </a:effectRef>
+          <a:fontRef idx="minor">
+            <a:schemeClr val="tx1"/>
+          </a:fontRef>
+        </p:style>
+      </p:cxnSp>
+      <p:sp>
+        <p:nvSpPr>
+          <p:cNvPr id="15" name="Rectangle 14">
+            <a:extLst>
+              <a:ext uri="{FF2B5EF4-FFF2-40B4-BE49-F238E27FC236}">
+                <a16:creationId xmlns:a16="http://schemas.microsoft.com/office/drawing/2014/main" id="{FD9D3120-8D8F-1544-99DD-E4C42BF33CDC}"/>
+              </a:ext>
+            </a:extLst>
+          </p:cNvPr>
+          <p:cNvSpPr/>
+          <p:nvPr/>
+        </p:nvSpPr>
+        <p:spPr>
+          <a:xfrm>
+            <a:off x="8665536" y="2647523"/>
+            <a:ext cx="2115878" cy="1711809"/>
+          </a:xfrm>
+          <a:prstGeom prst="rect">
+            <a:avLst/>
+          </a:prstGeom>
+          <a:noFill/>
+          <a:ln w="47625">
+            <a:solidFill>
+              <a:srgbClr val="00B050"/>
+            </a:solidFill>
+          </a:ln>
+        </p:spPr>
+        <p:style>
+          <a:lnRef idx="2">
+            <a:schemeClr val="accent1">
+              <a:shade val="50000"/>
+            </a:schemeClr>
+          </a:lnRef>
+          <a:fillRef idx="1">
+            <a:schemeClr val="accent1"/>
+          </a:fillRef>
+          <a:effectRef idx="0">
+            <a:schemeClr val="accent1"/>
+          </a:effectRef>
+          <a:fontRef idx="minor">
+            <a:schemeClr val="lt1"/>
+          </a:fontRef>
+        </p:style>
+        <p:txBody>
+          <a:bodyPr rtlCol="0" anchor="ctr"/>
+          <a:lstStyle/>
+          <a:p>
+            <a:pPr algn="ctr"/>
+            <a:endParaRPr lang="es-ES_tradnl"/>
+          </a:p>
+        </p:txBody>
+      </p:sp>
+    </p:spTree>
+    <p:extLst>
+      <p:ext uri="{BB962C8B-B14F-4D97-AF65-F5344CB8AC3E}">
+        <p14:creationId xmlns:p14="http://schemas.microsoft.com/office/powerpoint/2010/main" val="1728564924"/>
+      </p:ext>
+    </p:extLst>
+  </p:cSld>
+  <p:clrMapOvr>
+    <a:masterClrMapping/>
+  </p:clrMapOvr>
+</p:sld>
+</file>
+
+<file path=ppt/slides/slide3.xml><?xml version="1.0" encoding="utf-8"?>
+<p:sld xmlns:a="http://schemas.openxmlformats.org/drawingml/2006/main" xmlns:r="http://schemas.openxmlformats.org/officeDocument/2006/relationships" xmlns:p="http://schemas.openxmlformats.org/presentationml/2006/main">
+  <p:cSld>
+    <p:spTree>
+      <p:nvGrpSpPr>
+        <p:cNvPr id="1" name=""/>
+        <p:cNvGrpSpPr/>
+        <p:nvPr/>
+      </p:nvGrpSpPr>
+      <p:grpSpPr>
+        <a:xfrm>
+          <a:off x="0" y="0"/>
+          <a:ext cx="0" cy="0"/>
+          <a:chOff x="0" y="0"/>
+          <a:chExt cx="0" cy="0"/>
+        </a:xfrm>
+      </p:grpSpPr>
       <p:sp>
         <p:nvSpPr>
           <p:cNvPr id="41" name="Rounded Rectangle 40">
@@ -5656,7 +5940,7 @@
 </p:sld>
 </file>
 
-<file path=ppt/slides/slide3.xml><?xml version="1.0" encoding="utf-8"?>
+<file path=ppt/slides/slide4.xml><?xml version="1.0" encoding="utf-8"?>
 <p:sld xmlns:a="http://schemas.openxmlformats.org/drawingml/2006/main" xmlns:r="http://schemas.openxmlformats.org/officeDocument/2006/relationships" xmlns:p="http://schemas.openxmlformats.org/presentationml/2006/main">
   <p:cSld>
     <p:spTree>
